--- a/MGT3614_BA_Project_PPT_Template.pptx
+++ b/MGT3614_BA_Project_PPT_Template.pptx
@@ -147,15 +147,38 @@
 </p:presentation>
 </file>
 
+<file path=ppt/revisionInfo.xml><?xml version="1.0" encoding="utf-8"?>
+<p1510:revInfo xmlns:a="http://schemas.openxmlformats.org/drawingml/2006/main" xmlns:r="http://schemas.openxmlformats.org/officeDocument/2006/relationships" xmlns:p1510="http://schemas.microsoft.com/office/powerpoint/2015/10/main">
+  <p1510:revLst>
+    <p1510:client id="{CFC68BDC-2DE3-4CDA-BAE2-D58DC36F64C2}" v="2" dt="2023-05-12T12:18:16.107"/>
+  </p1510:revLst>
+</p1510:revInfo>
+</file>
+
 <file path=ppt/changesInfos/changesInfo1.xml><?xml version="1.0" encoding="utf-8"?>
 <pc:chgInfo xmlns:a="http://schemas.openxmlformats.org/drawingml/2006/main" xmlns:r="http://schemas.openxmlformats.org/officeDocument/2006/relationships" xmlns:ac="http://schemas.microsoft.com/office/drawing/2013/main/command" xmlns:pc="http://schemas.microsoft.com/office/powerpoint/2013/main/command">
   <pc:docChgLst>
     <pc:chgData name="VALLABHAPURAPU L SAI RUTHWIK  20BCI7030" userId="1bac6f0b-109f-49c7-a03c-5bc018112bcb" providerId="ADAL" clId="{CFC68BDC-2DE3-4CDA-BAE2-D58DC36F64C2}"/>
     <pc:docChg chg="undo custSel addSld delSld modSld">
-      <pc:chgData name="VALLABHAPURAPU L SAI RUTHWIK  20BCI7030" userId="1bac6f0b-109f-49c7-a03c-5bc018112bcb" providerId="ADAL" clId="{CFC68BDC-2DE3-4CDA-BAE2-D58DC36F64C2}" dt="2023-05-12T12:08:43.178" v="1927" actId="20577"/>
+      <pc:chgData name="VALLABHAPURAPU L SAI RUTHWIK  20BCI7030" userId="1bac6f0b-109f-49c7-a03c-5bc018112bcb" providerId="ADAL" clId="{CFC68BDC-2DE3-4CDA-BAE2-D58DC36F64C2}" dt="2023-05-12T12:18:16.102" v="1965" actId="20577"/>
       <pc:docMkLst>
         <pc:docMk/>
       </pc:docMkLst>
+      <pc:sldChg chg="modSp mod">
+        <pc:chgData name="VALLABHAPURAPU L SAI RUTHWIK  20BCI7030" userId="1bac6f0b-109f-49c7-a03c-5bc018112bcb" providerId="ADAL" clId="{CFC68BDC-2DE3-4CDA-BAE2-D58DC36F64C2}" dt="2023-05-12T12:18:16.102" v="1965" actId="20577"/>
+        <pc:sldMkLst>
+          <pc:docMk/>
+          <pc:sldMk cId="182139768" sldId="257"/>
+        </pc:sldMkLst>
+        <pc:spChg chg="mod">
+          <ac:chgData name="VALLABHAPURAPU L SAI RUTHWIK  20BCI7030" userId="1bac6f0b-109f-49c7-a03c-5bc018112bcb" providerId="ADAL" clId="{CFC68BDC-2DE3-4CDA-BAE2-D58DC36F64C2}" dt="2023-05-12T12:18:16.102" v="1965" actId="20577"/>
+          <ac:spMkLst>
+            <pc:docMk/>
+            <pc:sldMk cId="182139768" sldId="257"/>
+            <ac:spMk id="3" creationId="{00000000-0000-0000-0000-000000000000}"/>
+          </ac:spMkLst>
+        </pc:spChg>
+      </pc:sldChg>
       <pc:sldChg chg="modSp mod">
         <pc:chgData name="VALLABHAPURAPU L SAI RUTHWIK  20BCI7030" userId="1bac6f0b-109f-49c7-a03c-5bc018112bcb" providerId="ADAL" clId="{CFC68BDC-2DE3-4CDA-BAE2-D58DC36F64C2}" dt="2023-05-11T15:51:48.271" v="23" actId="20577"/>
         <pc:sldMkLst>
@@ -397,7 +420,7 @@
         </pc:spChg>
       </pc:sldChg>
       <pc:sldChg chg="modSp add mod">
-        <pc:chgData name="VALLABHAPURAPU L SAI RUTHWIK  20BCI7030" userId="1bac6f0b-109f-49c7-a03c-5bc018112bcb" providerId="ADAL" clId="{CFC68BDC-2DE3-4CDA-BAE2-D58DC36F64C2}" dt="2023-05-11T16:33:09.285" v="200" actId="1037"/>
+        <pc:chgData name="VALLABHAPURAPU L SAI RUTHWIK  20BCI7030" userId="1bac6f0b-109f-49c7-a03c-5bc018112bcb" providerId="ADAL" clId="{CFC68BDC-2DE3-4CDA-BAE2-D58DC36F64C2}" dt="2023-05-12T12:17:08.981" v="1928"/>
         <pc:sldMkLst>
           <pc:docMk/>
           <pc:sldMk cId="1265548335" sldId="279"/>
@@ -411,7 +434,7 @@
           </ac:spMkLst>
         </pc:spChg>
         <pc:spChg chg="mod">
-          <ac:chgData name="VALLABHAPURAPU L SAI RUTHWIK  20BCI7030" userId="1bac6f0b-109f-49c7-a03c-5bc018112bcb" providerId="ADAL" clId="{CFC68BDC-2DE3-4CDA-BAE2-D58DC36F64C2}" dt="2023-05-11T16:33:09.285" v="200" actId="1037"/>
+          <ac:chgData name="VALLABHAPURAPU L SAI RUTHWIK  20BCI7030" userId="1bac6f0b-109f-49c7-a03c-5bc018112bcb" providerId="ADAL" clId="{CFC68BDC-2DE3-4CDA-BAE2-D58DC36F64C2}" dt="2023-05-12T12:17:08.981" v="1928"/>
           <ac:spMkLst>
             <pc:docMk/>
             <pc:sldMk cId="1265548335" sldId="279"/>
@@ -5157,7 +5180,10 @@
           <a:bodyPr/>
           <a:lstStyle/>
           <a:p>
-            <a:endParaRPr lang="en-IN" dirty="0"/>
+            <a:r>
+              <a:rPr lang="en-IN" dirty="0"/>
+              <a:t>https://github.com/vlsruthwik/Crop_Production_Analysis</a:t>
+            </a:r>
           </a:p>
         </p:txBody>
       </p:sp>
@@ -5290,9 +5316,21 @@
           <a:lstStyle/>
           <a:p>
             <a:r>
-              <a:rPr lang="en-US" dirty="0"/>
-              <a:t>abc.xyz@vitap.ac.in</a:t>
-            </a:r>
+              <a:rPr lang="en-US" dirty="0">
+                <a:hlinkClick r:id="rId2"/>
+              </a:rPr>
+              <a:t>ruthwik.20bci7030@vitap.ac.in</a:t>
+            </a:r>
+            <a:endParaRPr lang="en-US" dirty="0"/>
+          </a:p>
+          <a:p>
+            <a:r>
+              <a:rPr lang="en-US" dirty="0">
+                <a:hlinkClick r:id="rId3"/>
+              </a:rPr>
+              <a:t>shiva.19bce7778@vitap.ac.in</a:t>
+            </a:r>
+            <a:endParaRPr lang="en-US" dirty="0"/>
           </a:p>
           <a:p>
             <a:endParaRPr lang="en-US" dirty="0"/>
